--- a/Project_Presentation.pptx
+++ b/Project_Presentation.pptx
@@ -225,7 +225,7 @@
           <a:p>
             <a:fld id="{D0FE861C-486B-4E18-A0E9-A790238A915C}" type="datetimeFigureOut">
               <a:rPr lang="en-US" smtClean="0"/>
-              <a:t>4/16/2020</a:t>
+              <a:t>9/28/2020</a:t>
             </a:fld>
             <a:endParaRPr lang="en-US"/>
           </a:p>
@@ -533,10 +533,7 @@
           <a:bodyPr/>
           <a:lstStyle/>
           <a:p>
-            <a:r>
-              <a:rPr lang="en-US" dirty="0"/>
-              <a:t>Hello, good afternoon all! We are team 13 and through our project we have tried to solve a common problem that grocery vendors face. Before going into those details, I’d like to introduce my team.</a:t>
-            </a:r>
+            <a:endParaRPr lang="en-US" dirty="0"/>
           </a:p>
         </p:txBody>
       </p:sp>
@@ -620,18 +617,7 @@
           <a:bodyPr/>
           <a:lstStyle/>
           <a:p>
-            <a:r>
-              <a:rPr lang="en-US" dirty="0"/>
-              <a:t>That is Riya, Pooja, and </a:t>
-            </a:r>
-            <a:r>
-              <a:rPr lang="en-US" dirty="0" err="1"/>
-              <a:t>Prathamesh</a:t>
-            </a:r>
-            <a:r>
-              <a:rPr lang="en-US" dirty="0"/>
-              <a:t>. Coming to today’s Agenda</a:t>
-            </a:r>
+            <a:endParaRPr lang="en-US" dirty="0"/>
           </a:p>
         </p:txBody>
       </p:sp>
@@ -715,10 +701,7 @@
           <a:bodyPr/>
           <a:lstStyle/>
           <a:p>
-            <a:r>
-              <a:rPr lang="en-US" dirty="0"/>
-              <a:t>We will start with some information about our client, the dataset we have used, our business problem, its solution, the analysis, results and findings of our effort and the next steps.</a:t>
-            </a:r>
+            <a:endParaRPr lang="en-US" dirty="0"/>
           </a:p>
         </p:txBody>
       </p:sp>
@@ -802,19 +785,7 @@
           <a:bodyPr/>
           <a:lstStyle/>
           <a:p>
-            <a:r>
-              <a:rPr lang="en-US" dirty="0"/>
-              <a:t>Our virtual client is Instacart. As many of you know, Instacart is grocery pick-up and delivery service company operating in US and Canada. It doesn’t own any stores and is dependent on close to 300 grocers and food retailers in the US which it also caters. So it is a partner/client relationship. Instacart has around 16 million monthly visitors on its app and website.</a:t>
-            </a:r>
-          </a:p>
-          <a:p>
             <a:endParaRPr lang="en-US" dirty="0"/>
-          </a:p>
-          <a:p>
-            <a:r>
-              <a:rPr lang="en-US" dirty="0"/>
-              <a:t>In our project, we are using dataset generated by these users’ online orders which will see next.</a:t>
-            </a:r>
           </a:p>
         </p:txBody>
       </p:sp>
@@ -898,28 +869,7 @@
           <a:bodyPr/>
           <a:lstStyle/>
           <a:p>
-            <a:r>
-              <a:rPr lang="en-US" dirty="0"/>
-              <a:t>So like I said, our dataset is an anonymized sample of over … It was made available on Kaggle as part of a competition. The dataset is made up of 4 excel files each with many variables. </a:t>
-            </a:r>
-            <a:r>
-              <a:rPr lang="en-US" dirty="0" err="1"/>
-              <a:t>OrderID</a:t>
-            </a:r>
-            <a:r>
-              <a:rPr lang="en-US" dirty="0"/>
-              <a:t>, Product ID, Prod Name and User ID are a few of the variables we used in the project.. Our dataset was pretty much clean, so we didn’t have to do much data preprocessing except a few data transformation for time and weekday</a:t>
-            </a:r>
-            <a:br>
-              <a:rPr lang="en-US" dirty="0"/>
-            </a:br>
             <a:endParaRPr lang="en-US" dirty="0"/>
-          </a:p>
-          <a:p>
-            <a:r>
-              <a:rPr lang="en-US" dirty="0"/>
-              <a:t>On the basis of this data we have attempted to solve a 2 pronged problem.(Next slide)</a:t>
-            </a:r>
           </a:p>
         </p:txBody>
       </p:sp>
@@ -1003,19 +953,7 @@
           <a:bodyPr/>
           <a:lstStyle/>
           <a:p>
-            <a:r>
-              <a:rPr lang="en-US" dirty="0"/>
-              <a:t>That is how to increase customer as well as retailer engagement with Instacart. That includes how to improve the user experience, how to help the retailer manage its store’s inventory better and based on these two, how to increase the overall basket size of the customer.</a:t>
-            </a:r>
-          </a:p>
-          <a:p>
             <a:endParaRPr lang="en-US" dirty="0"/>
-          </a:p>
-          <a:p>
-            <a:r>
-              <a:rPr lang="en-US" dirty="0"/>
-              <a:t>Let’s drill down on the problem a bit more..</a:t>
-            </a:r>
           </a:p>
         </p:txBody>
       </p:sp>
@@ -1099,32 +1037,7 @@
           <a:bodyPr/>
           <a:lstStyle/>
           <a:p>
-            <a:r>
-              <a:rPr lang="en-US" dirty="0" err="1"/>
-              <a:t>Patrici</a:t>
-            </a:r>
-            <a:r>
-              <a:rPr lang="en-US" dirty="0"/>
-              <a:t>….</a:t>
-            </a:r>
-          </a:p>
-          <a:p>
             <a:endParaRPr lang="en-US" dirty="0"/>
-          </a:p>
-          <a:p>
-            <a:r>
-              <a:rPr lang="en-US" dirty="0"/>
-              <a:t>So can we increase …</a:t>
-            </a:r>
-          </a:p>
-          <a:p>
-            <a:endParaRPr lang="en-US" dirty="0"/>
-          </a:p>
-          <a:p>
-            <a:r>
-              <a:rPr lang="en-US" dirty="0"/>
-              <a:t>And to look at our solutions to answer these questions I would like to give it to Riya</a:t>
-            </a:r>
           </a:p>
         </p:txBody>
       </p:sp>
@@ -1511,7 +1424,7 @@
           <a:p>
             <a:fld id="{A4CBE548-CF26-46AB-AD5B-03485091517B}" type="datetime1">
               <a:rPr lang="en-US" smtClean="0"/>
-              <a:t>4/16/2020</a:t>
+              <a:t>9/28/2020</a:t>
             </a:fld>
             <a:endParaRPr lang="en-US"/>
           </a:p>
@@ -1674,7 +1587,7 @@
           <a:p>
             <a:fld id="{88352E64-26B3-43E2-B0A0-8F64668B7639}" type="datetime1">
               <a:rPr lang="en-US" smtClean="0"/>
-              <a:t>4/16/2020</a:t>
+              <a:t>9/28/2020</a:t>
             </a:fld>
             <a:endParaRPr lang="en-US"/>
           </a:p>
@@ -1847,7 +1760,7 @@
           <a:p>
             <a:fld id="{E229F886-7A5E-4E9E-B101-6B1D3A90F60D}" type="datetime1">
               <a:rPr lang="en-US" smtClean="0"/>
-              <a:t>4/16/2020</a:t>
+              <a:t>9/28/2020</a:t>
             </a:fld>
             <a:endParaRPr lang="en-US"/>
           </a:p>
@@ -2010,7 +1923,7 @@
           <a:p>
             <a:fld id="{ADA66AF8-FF6D-4853-83BC-C373FF83E069}" type="datetime1">
               <a:rPr lang="en-US" smtClean="0"/>
-              <a:t>4/16/2020</a:t>
+              <a:t>9/28/2020</a:t>
             </a:fld>
             <a:endParaRPr lang="en-US"/>
           </a:p>
@@ -2250,7 +2163,7 @@
           <a:p>
             <a:fld id="{EBC40CD3-3E63-421D-ABC8-5777F7FC5C73}" type="datetime1">
               <a:rPr lang="en-US" smtClean="0"/>
-              <a:t>4/16/2020</a:t>
+              <a:t>9/28/2020</a:t>
             </a:fld>
             <a:endParaRPr lang="en-US"/>
           </a:p>
@@ -2530,7 +2443,7 @@
           <a:p>
             <a:fld id="{1F6DFD17-1BF2-497F-AABF-52D98A7FA88F}" type="datetime1">
               <a:rPr lang="en-US" smtClean="0"/>
-              <a:t>4/16/2020</a:t>
+              <a:t>9/28/2020</a:t>
             </a:fld>
             <a:endParaRPr lang="en-US"/>
           </a:p>
@@ -2944,7 +2857,7 @@
           <a:p>
             <a:fld id="{FBF2E1B9-13F7-413C-879D-E9B78D8C8418}" type="datetime1">
               <a:rPr lang="en-US" smtClean="0"/>
-              <a:t>4/16/2020</a:t>
+              <a:t>9/28/2020</a:t>
             </a:fld>
             <a:endParaRPr lang="en-US"/>
           </a:p>
@@ -3056,7 +2969,7 @@
           <a:p>
             <a:fld id="{DD288051-F63A-41A7-9105-62E285C4CCA5}" type="datetime1">
               <a:rPr lang="en-US" smtClean="0"/>
-              <a:t>4/16/2020</a:t>
+              <a:t>9/28/2020</a:t>
             </a:fld>
             <a:endParaRPr lang="en-US"/>
           </a:p>
@@ -3146,7 +3059,7 @@
           <a:p>
             <a:fld id="{CE3A1004-7DD3-4C7D-A94E-FC54C9E5F1D7}" type="datetime1">
               <a:rPr lang="en-US" smtClean="0"/>
-              <a:t>4/16/2020</a:t>
+              <a:t>9/28/2020</a:t>
             </a:fld>
             <a:endParaRPr lang="en-US"/>
           </a:p>
@@ -3416,7 +3329,7 @@
           <a:p>
             <a:fld id="{DB6CB355-DA1E-49F2-A064-13DBE3BC4095}" type="datetime1">
               <a:rPr lang="en-US" smtClean="0"/>
-              <a:t>4/16/2020</a:t>
+              <a:t>9/28/2020</a:t>
             </a:fld>
             <a:endParaRPr lang="en-US"/>
           </a:p>
@@ -3663,7 +3576,7 @@
           <a:p>
             <a:fld id="{40833A74-6C98-4A7E-9613-31C41E8D6798}" type="datetime1">
               <a:rPr lang="en-US" smtClean="0"/>
-              <a:t>4/16/2020</a:t>
+              <a:t>9/28/2020</a:t>
             </a:fld>
             <a:endParaRPr lang="en-US"/>
           </a:p>
@@ -3869,7 +3782,7 @@
           <a:p>
             <a:fld id="{1D6EB633-CCB9-41F2-A38D-A4A58B9707C8}" type="datetime1">
               <a:rPr lang="en-US" smtClean="0"/>
-              <a:t>4/16/2020</a:t>
+              <a:t>9/28/2020</a:t>
             </a:fld>
             <a:endParaRPr lang="en-US"/>
           </a:p>
